--- a/doc/外部設計/遷移図改訂版.pptx
+++ b/doc/外部設計/遷移図改訂版.pptx
@@ -6678,6 +6678,82 @@
             <a:r>
               <a:rPr lang="en-US" altLang="ja-JP" sz="2000" b="1" dirty="0" err="1"/>
               <a:t>schedule</a:t>
+            </a:r>
+            <a:r>
+              <a:rPr kumimoji="1" lang="en-US" altLang="ja-JP" sz="2000" b="1" dirty="0" err="1"/>
+              <a:t>.jsp</a:t>
+            </a:r>
+            <a:endParaRPr kumimoji="1" lang="ja-JP" altLang="en-US" sz="2000" b="1" dirty="0"/>
+          </a:p>
+        </p:txBody>
+      </p:sp>
+      <p:sp>
+        <p:nvSpPr>
+          <p:cNvPr id="2" name="テキスト ボックス 1">
+            <a:extLst>
+              <a:ext uri="{FF2B5EF4-FFF2-40B4-BE49-F238E27FC236}">
+                <a16:creationId xmlns:a16="http://schemas.microsoft.com/office/drawing/2014/main" id="{1ECA63AE-55F3-1929-325A-DCCC537CC0BB}"/>
+              </a:ext>
+            </a:extLst>
+          </p:cNvPr>
+          <p:cNvSpPr txBox="1"/>
+          <p:nvPr/>
+        </p:nvSpPr>
+        <p:spPr>
+          <a:xfrm>
+            <a:off x="10009130" y="80598"/>
+            <a:ext cx="2598821" cy="400110"/>
+          </a:xfrm>
+          <a:prstGeom prst="rect">
+            <a:avLst/>
+          </a:prstGeom>
+          <a:noFill/>
+        </p:spPr>
+        <p:txBody>
+          <a:bodyPr wrap="square" rtlCol="0">
+            <a:spAutoFit/>
+          </a:bodyPr>
+          <a:lstStyle/>
+          <a:p>
+            <a:r>
+              <a:rPr kumimoji="1" lang="en-US" altLang="ja-JP" sz="2000" b="1" dirty="0" err="1"/>
+              <a:t>header.jsp</a:t>
+            </a:r>
+            <a:endParaRPr kumimoji="1" lang="ja-JP" altLang="en-US" sz="2000" b="1" dirty="0"/>
+          </a:p>
+        </p:txBody>
+      </p:sp>
+      <p:sp>
+        <p:nvSpPr>
+          <p:cNvPr id="3" name="テキスト ボックス 2">
+            <a:extLst>
+              <a:ext uri="{FF2B5EF4-FFF2-40B4-BE49-F238E27FC236}">
+                <a16:creationId xmlns:a16="http://schemas.microsoft.com/office/drawing/2014/main" id="{180753BB-ACE7-0D7A-1175-AA5CD92B6600}"/>
+              </a:ext>
+            </a:extLst>
+          </p:cNvPr>
+          <p:cNvSpPr txBox="1"/>
+          <p:nvPr/>
+        </p:nvSpPr>
+        <p:spPr>
+          <a:xfrm>
+            <a:off x="10009130" y="450370"/>
+            <a:ext cx="2598821" cy="400110"/>
+          </a:xfrm>
+          <a:prstGeom prst="rect">
+            <a:avLst/>
+          </a:prstGeom>
+          <a:noFill/>
+        </p:spPr>
+        <p:txBody>
+          <a:bodyPr wrap="square" rtlCol="0">
+            <a:spAutoFit/>
+          </a:bodyPr>
+          <a:lstStyle/>
+          <a:p>
+            <a:r>
+              <a:rPr lang="en-US" altLang="ja-JP" sz="2000" b="1" dirty="0" err="1"/>
+              <a:t>footer</a:t>
             </a:r>
             <a:r>
               <a:rPr kumimoji="1" lang="en-US" altLang="ja-JP" sz="2000" b="1" dirty="0" err="1"/>

--- a/doc/外部設計/遷移図改訂版.pptx
+++ b/doc/外部設計/遷移図改訂版.pptx
@@ -3851,7 +3851,7 @@
         </p:nvSpPr>
         <p:spPr>
           <a:xfrm>
-            <a:off x="8225587" y="4132476"/>
+            <a:off x="8224442" y="4132475"/>
             <a:ext cx="1507960" cy="461665"/>
           </a:xfrm>
           <a:prstGeom prst="rect">
@@ -3921,8 +3921,8 @@
         </p:nvSpPr>
         <p:spPr>
           <a:xfrm>
-            <a:off x="8225587" y="3083636"/>
-            <a:ext cx="2342148" cy="461665"/>
+            <a:off x="8365380" y="3095312"/>
+            <a:ext cx="3220451" cy="461665"/>
           </a:xfrm>
           <a:prstGeom prst="rect">
             <a:avLst/>
@@ -3939,6 +3939,11 @@
               <a:rPr kumimoji="1" lang="ja-JP" altLang="en-US" sz="2400" b="1" dirty="0"/>
               <a:t>やることリスト</a:t>
             </a:r>
+            <a:r>
+              <a:rPr lang="ja-JP" altLang="en-US" sz="2400" b="1" dirty="0"/>
+              <a:t>全体</a:t>
+            </a:r>
+            <a:endParaRPr kumimoji="1" lang="ja-JP" altLang="en-US" sz="2400" b="1" dirty="0"/>
           </a:p>
         </p:txBody>
       </p:sp>
@@ -4408,7 +4413,7 @@
         <p:spPr>
           <a:xfrm>
             <a:off x="8277724" y="3083636"/>
-            <a:ext cx="2237873" cy="447400"/>
+            <a:ext cx="3141390" cy="447400"/>
           </a:xfrm>
           <a:prstGeom prst="rect">
             <a:avLst/>
@@ -6525,7 +6530,7 @@
           <a:p>
             <a:r>
               <a:rPr kumimoji="1" lang="en-US" altLang="ja-JP" sz="2000" b="1" dirty="0" err="1"/>
-              <a:t>taskShare.jsp</a:t>
+              <a:t>taskCommit.jsp</a:t>
             </a:r>
             <a:endParaRPr kumimoji="1" lang="ja-JP" altLang="en-US" sz="2000" b="1" dirty="0"/>
           </a:p>

--- a/doc/外部設計/遷移図改訂版.pptx
+++ b/doc/外部設計/遷移図改訂版.pptx
@@ -3851,7 +3851,7 @@
         </p:nvSpPr>
         <p:spPr>
           <a:xfrm>
-            <a:off x="8225587" y="4132476"/>
+            <a:off x="8224442" y="4132475"/>
             <a:ext cx="1507960" cy="461665"/>
           </a:xfrm>
           <a:prstGeom prst="rect">
@@ -3921,8 +3921,8 @@
         </p:nvSpPr>
         <p:spPr>
           <a:xfrm>
-            <a:off x="8225587" y="3083636"/>
-            <a:ext cx="2342148" cy="461665"/>
+            <a:off x="8365380" y="3095312"/>
+            <a:ext cx="3220451" cy="461665"/>
           </a:xfrm>
           <a:prstGeom prst="rect">
             <a:avLst/>
@@ -3939,6 +3939,11 @@
               <a:rPr kumimoji="1" lang="ja-JP" altLang="en-US" sz="2400" b="1" dirty="0"/>
               <a:t>やることリスト</a:t>
             </a:r>
+            <a:r>
+              <a:rPr lang="ja-JP" altLang="en-US" sz="2400" b="1" dirty="0"/>
+              <a:t>全体</a:t>
+            </a:r>
+            <a:endParaRPr kumimoji="1" lang="ja-JP" altLang="en-US" sz="2400" b="1" dirty="0"/>
           </a:p>
         </p:txBody>
       </p:sp>
@@ -4408,7 +4413,7 @@
         <p:spPr>
           <a:xfrm>
             <a:off x="8277724" y="3083636"/>
-            <a:ext cx="2237873" cy="447400"/>
+            <a:ext cx="3141390" cy="447400"/>
           </a:xfrm>
           <a:prstGeom prst="rect">
             <a:avLst/>
@@ -6525,7 +6530,7 @@
           <a:p>
             <a:r>
               <a:rPr kumimoji="1" lang="en-US" altLang="ja-JP" sz="2000" b="1" dirty="0" err="1"/>
-              <a:t>taskShare.jsp</a:t>
+              <a:t>taskCommit.jsp</a:t>
             </a:r>
             <a:endParaRPr kumimoji="1" lang="ja-JP" altLang="en-US" sz="2000" b="1" dirty="0"/>
           </a:p>
@@ -6678,6 +6683,82 @@
             <a:r>
               <a:rPr lang="en-US" altLang="ja-JP" sz="2000" b="1" dirty="0" err="1"/>
               <a:t>schedule</a:t>
+            </a:r>
+            <a:r>
+              <a:rPr kumimoji="1" lang="en-US" altLang="ja-JP" sz="2000" b="1" dirty="0" err="1"/>
+              <a:t>.jsp</a:t>
+            </a:r>
+            <a:endParaRPr kumimoji="1" lang="ja-JP" altLang="en-US" sz="2000" b="1" dirty="0"/>
+          </a:p>
+        </p:txBody>
+      </p:sp>
+      <p:sp>
+        <p:nvSpPr>
+          <p:cNvPr id="2" name="テキスト ボックス 1">
+            <a:extLst>
+              <a:ext uri="{FF2B5EF4-FFF2-40B4-BE49-F238E27FC236}">
+                <a16:creationId xmlns:a16="http://schemas.microsoft.com/office/drawing/2014/main" id="{1ECA63AE-55F3-1929-325A-DCCC537CC0BB}"/>
+              </a:ext>
+            </a:extLst>
+          </p:cNvPr>
+          <p:cNvSpPr txBox="1"/>
+          <p:nvPr/>
+        </p:nvSpPr>
+        <p:spPr>
+          <a:xfrm>
+            <a:off x="10009130" y="80598"/>
+            <a:ext cx="2598821" cy="400110"/>
+          </a:xfrm>
+          <a:prstGeom prst="rect">
+            <a:avLst/>
+          </a:prstGeom>
+          <a:noFill/>
+        </p:spPr>
+        <p:txBody>
+          <a:bodyPr wrap="square" rtlCol="0">
+            <a:spAutoFit/>
+          </a:bodyPr>
+          <a:lstStyle/>
+          <a:p>
+            <a:r>
+              <a:rPr kumimoji="1" lang="en-US" altLang="ja-JP" sz="2000" b="1" dirty="0" err="1"/>
+              <a:t>header.jsp</a:t>
+            </a:r>
+            <a:endParaRPr kumimoji="1" lang="ja-JP" altLang="en-US" sz="2000" b="1" dirty="0"/>
+          </a:p>
+        </p:txBody>
+      </p:sp>
+      <p:sp>
+        <p:nvSpPr>
+          <p:cNvPr id="3" name="テキスト ボックス 2">
+            <a:extLst>
+              <a:ext uri="{FF2B5EF4-FFF2-40B4-BE49-F238E27FC236}">
+                <a16:creationId xmlns:a16="http://schemas.microsoft.com/office/drawing/2014/main" id="{180753BB-ACE7-0D7A-1175-AA5CD92B6600}"/>
+              </a:ext>
+            </a:extLst>
+          </p:cNvPr>
+          <p:cNvSpPr txBox="1"/>
+          <p:nvPr/>
+        </p:nvSpPr>
+        <p:spPr>
+          <a:xfrm>
+            <a:off x="10009130" y="450370"/>
+            <a:ext cx="2598821" cy="400110"/>
+          </a:xfrm>
+          <a:prstGeom prst="rect">
+            <a:avLst/>
+          </a:prstGeom>
+          <a:noFill/>
+        </p:spPr>
+        <p:txBody>
+          <a:bodyPr wrap="square" rtlCol="0">
+            <a:spAutoFit/>
+          </a:bodyPr>
+          <a:lstStyle/>
+          <a:p>
+            <a:r>
+              <a:rPr lang="en-US" altLang="ja-JP" sz="2000" b="1" dirty="0" err="1"/>
+              <a:t>footer</a:t>
             </a:r>
             <a:r>
               <a:rPr kumimoji="1" lang="en-US" altLang="ja-JP" sz="2000" b="1" dirty="0" err="1"/>
